--- a/slides/Ang Sessions 3.pptx
+++ b/slides/Ang Sessions 3.pptx
@@ -5,16 +5,22 @@
     <p:sldMasterId id="2147483648" r:id="rId1"/>
   </p:sldMasterIdLst>
   <p:notesMasterIdLst>
-    <p:notesMasterId r:id="rId9"/>
+    <p:notesMasterId r:id="rId15"/>
   </p:notesMasterIdLst>
   <p:sldIdLst>
     <p:sldId id="274" r:id="rId2"/>
     <p:sldId id="310" r:id="rId3"/>
     <p:sldId id="323" r:id="rId4"/>
     <p:sldId id="269" r:id="rId5"/>
-    <p:sldId id="329" r:id="rId6"/>
-    <p:sldId id="325" r:id="rId7"/>
-    <p:sldId id="326" r:id="rId8"/>
+    <p:sldId id="330" r:id="rId6"/>
+    <p:sldId id="331" r:id="rId7"/>
+    <p:sldId id="332" r:id="rId8"/>
+    <p:sldId id="333" r:id="rId9"/>
+    <p:sldId id="334" r:id="rId10"/>
+    <p:sldId id="329" r:id="rId11"/>
+    <p:sldId id="325" r:id="rId12"/>
+    <p:sldId id="326" r:id="rId13"/>
+    <p:sldId id="335" r:id="rId14"/>
   </p:sldIdLst>
   <p:sldSz cx="12192000" cy="6858000"/>
   <p:notesSz cx="6858000" cy="9144000"/>
@@ -203,7 +209,7 @@
           <a:p>
             <a:fld id="{0977DE21-F680-43D4-929B-3CCD08699C48}" type="datetimeFigureOut">
               <a:rPr lang="en-US" smtClean="0"/>
-              <a:t>9/12/2020</a:t>
+              <a:t>9/13/2020</a:t>
             </a:fld>
             <a:endParaRPr lang="en-US"/>
           </a:p>
@@ -617,7 +623,7 @@
           <a:p>
             <a:fld id="{074E2275-5F71-463B-81D5-512688C0E738}" type="datetimeFigureOut">
               <a:rPr lang="en-US" smtClean="0"/>
-              <a:t>9/12/2020</a:t>
+              <a:t>9/13/2020</a:t>
             </a:fld>
             <a:endParaRPr lang="en-US"/>
           </a:p>
@@ -815,7 +821,7 @@
           <a:p>
             <a:fld id="{074E2275-5F71-463B-81D5-512688C0E738}" type="datetimeFigureOut">
               <a:rPr lang="en-US" smtClean="0"/>
-              <a:t>9/12/2020</a:t>
+              <a:t>9/13/2020</a:t>
             </a:fld>
             <a:endParaRPr lang="en-US"/>
           </a:p>
@@ -1023,7 +1029,7 @@
           <a:p>
             <a:fld id="{074E2275-5F71-463B-81D5-512688C0E738}" type="datetimeFigureOut">
               <a:rPr lang="en-US" smtClean="0"/>
-              <a:t>9/12/2020</a:t>
+              <a:t>9/13/2020</a:t>
             </a:fld>
             <a:endParaRPr lang="en-US"/>
           </a:p>
@@ -2728,7 +2734,7 @@
           <a:p>
             <a:fld id="{074E2275-5F71-463B-81D5-512688C0E738}" type="datetimeFigureOut">
               <a:rPr lang="en-US" smtClean="0"/>
-              <a:t>9/12/2020</a:t>
+              <a:t>9/13/2020</a:t>
             </a:fld>
             <a:endParaRPr lang="en-US"/>
           </a:p>
@@ -3003,7 +3009,7 @@
           <a:p>
             <a:fld id="{074E2275-5F71-463B-81D5-512688C0E738}" type="datetimeFigureOut">
               <a:rPr lang="en-US" smtClean="0"/>
-              <a:t>9/12/2020</a:t>
+              <a:t>9/13/2020</a:t>
             </a:fld>
             <a:endParaRPr lang="en-US"/>
           </a:p>
@@ -3268,7 +3274,7 @@
           <a:p>
             <a:fld id="{074E2275-5F71-463B-81D5-512688C0E738}" type="datetimeFigureOut">
               <a:rPr lang="en-US" smtClean="0"/>
-              <a:t>9/12/2020</a:t>
+              <a:t>9/13/2020</a:t>
             </a:fld>
             <a:endParaRPr lang="en-US"/>
           </a:p>
@@ -3680,7 +3686,7 @@
           <a:p>
             <a:fld id="{074E2275-5F71-463B-81D5-512688C0E738}" type="datetimeFigureOut">
               <a:rPr lang="en-US" smtClean="0"/>
-              <a:t>9/12/2020</a:t>
+              <a:t>9/13/2020</a:t>
             </a:fld>
             <a:endParaRPr lang="en-US"/>
           </a:p>
@@ -3821,7 +3827,7 @@
           <a:p>
             <a:fld id="{074E2275-5F71-463B-81D5-512688C0E738}" type="datetimeFigureOut">
               <a:rPr lang="en-US" smtClean="0"/>
-              <a:t>9/12/2020</a:t>
+              <a:t>9/13/2020</a:t>
             </a:fld>
             <a:endParaRPr lang="en-US"/>
           </a:p>
@@ -3934,7 +3940,7 @@
           <a:p>
             <a:fld id="{074E2275-5F71-463B-81D5-512688C0E738}" type="datetimeFigureOut">
               <a:rPr lang="en-US" smtClean="0"/>
-              <a:t>9/12/2020</a:t>
+              <a:t>9/13/2020</a:t>
             </a:fld>
             <a:endParaRPr lang="en-US"/>
           </a:p>
@@ -4245,7 +4251,7 @@
           <a:p>
             <a:fld id="{074E2275-5F71-463B-81D5-512688C0E738}" type="datetimeFigureOut">
               <a:rPr lang="en-US" smtClean="0"/>
-              <a:t>9/12/2020</a:t>
+              <a:t>9/13/2020</a:t>
             </a:fld>
             <a:endParaRPr lang="en-US"/>
           </a:p>
@@ -4533,7 +4539,7 @@
           <a:p>
             <a:fld id="{074E2275-5F71-463B-81D5-512688C0E738}" type="datetimeFigureOut">
               <a:rPr lang="en-US" smtClean="0"/>
-              <a:t>9/12/2020</a:t>
+              <a:t>9/13/2020</a:t>
             </a:fld>
             <a:endParaRPr lang="en-US"/>
           </a:p>
@@ -4774,7 +4780,7 @@
           <a:p>
             <a:fld id="{074E2275-5F71-463B-81D5-512688C0E738}" type="datetimeFigureOut">
               <a:rPr lang="en-US" smtClean="0"/>
-              <a:t>9/12/2020</a:t>
+              <a:t>9/13/2020</a:t>
             </a:fld>
             <a:endParaRPr lang="en-US"/>
           </a:p>
@@ -5319,6 +5325,489 @@
 </p:sld>
 </file>
 
+<file path=ppt/slides/slide10.xml><?xml version="1.0" encoding="utf-8"?>
+<p:sld xmlns:a="http://schemas.openxmlformats.org/drawingml/2006/main" xmlns:r="http://schemas.openxmlformats.org/officeDocument/2006/relationships" xmlns:p="http://schemas.openxmlformats.org/presentationml/2006/main">
+  <p:cSld>
+    <p:spTree>
+      <p:nvGrpSpPr>
+        <p:cNvPr id="1" name=""/>
+        <p:cNvGrpSpPr/>
+        <p:nvPr/>
+      </p:nvGrpSpPr>
+      <p:grpSpPr>
+        <a:xfrm>
+          <a:off x="0" y="0"/>
+          <a:ext cx="0" cy="0"/>
+          <a:chOff x="0" y="0"/>
+          <a:chExt cx="0" cy="0"/>
+        </a:xfrm>
+      </p:grpSpPr>
+      <p:sp>
+        <p:nvSpPr>
+          <p:cNvPr id="2" name="Title 1">
+            <a:extLst>
+              <a:ext uri="{FF2B5EF4-FFF2-40B4-BE49-F238E27FC236}">
+                <a16:creationId xmlns:a16="http://schemas.microsoft.com/office/drawing/2014/main" id="{98C30922-1452-42C1-B5E8-E81F16DDC1F9}"/>
+              </a:ext>
+            </a:extLst>
+          </p:cNvPr>
+          <p:cNvSpPr>
+            <a:spLocks noGrp="1"/>
+          </p:cNvSpPr>
+          <p:nvPr>
+            <p:ph type="title"/>
+          </p:nvPr>
+        </p:nvSpPr>
+        <p:spPr/>
+        <p:txBody>
+          <a:bodyPr/>
+          <a:lstStyle/>
+          <a:p>
+            <a:r>
+              <a:rPr lang="en-US" dirty="0"/>
+              <a:t>Security</a:t>
+            </a:r>
+          </a:p>
+        </p:txBody>
+      </p:sp>
+      <p:sp>
+        <p:nvSpPr>
+          <p:cNvPr id="6" name="Content Placeholder 5">
+            <a:extLst>
+              <a:ext uri="{FF2B5EF4-FFF2-40B4-BE49-F238E27FC236}">
+                <a16:creationId xmlns:a16="http://schemas.microsoft.com/office/drawing/2014/main" id="{423851BF-20DB-4123-B586-DB363DE6BBA3}"/>
+              </a:ext>
+            </a:extLst>
+          </p:cNvPr>
+          <p:cNvSpPr>
+            <a:spLocks noGrp="1"/>
+          </p:cNvSpPr>
+          <p:nvPr>
+            <p:ph idx="1"/>
+          </p:nvPr>
+        </p:nvSpPr>
+        <p:spPr/>
+        <p:txBody>
+          <a:bodyPr/>
+          <a:lstStyle/>
+          <a:p>
+            <a:r>
+              <a:rPr lang="en-US" dirty="0"/>
+              <a:t>Authentication &amp; Authorization</a:t>
+            </a:r>
+          </a:p>
+          <a:p>
+            <a:r>
+              <a:rPr lang="en-US" dirty="0"/>
+              <a:t>Client Authentication System</a:t>
+            </a:r>
+          </a:p>
+          <a:p>
+            <a:pPr lvl="1"/>
+            <a:r>
+              <a:rPr lang="en-US" dirty="0"/>
+              <a:t>Security Service</a:t>
+            </a:r>
+          </a:p>
+          <a:p>
+            <a:pPr lvl="1"/>
+            <a:r>
+              <a:rPr lang="en-US" dirty="0"/>
+              <a:t>Directives to secure UI Elements</a:t>
+            </a:r>
+          </a:p>
+          <a:p>
+            <a:pPr lvl="1"/>
+            <a:r>
+              <a:rPr lang="en-US" dirty="0"/>
+              <a:t>Route Guards to secure Navigation</a:t>
+            </a:r>
+          </a:p>
+          <a:p>
+            <a:pPr lvl="1"/>
+            <a:endParaRPr lang="en-US" dirty="0"/>
+          </a:p>
+          <a:p>
+            <a:endParaRPr lang="en-US" dirty="0"/>
+          </a:p>
+        </p:txBody>
+      </p:sp>
+    </p:spTree>
+    <p:extLst>
+      <p:ext uri="{BB962C8B-B14F-4D97-AF65-F5344CB8AC3E}">
+        <p14:creationId xmlns:p14="http://schemas.microsoft.com/office/powerpoint/2010/main" val="2371602688"/>
+      </p:ext>
+    </p:extLst>
+  </p:cSld>
+  <p:clrMapOvr>
+    <a:masterClrMapping/>
+  </p:clrMapOvr>
+</p:sld>
+</file>
+
+<file path=ppt/slides/slide11.xml><?xml version="1.0" encoding="utf-8"?>
+<p:sld xmlns:a="http://schemas.openxmlformats.org/drawingml/2006/main" xmlns:r="http://schemas.openxmlformats.org/officeDocument/2006/relationships" xmlns:p="http://schemas.openxmlformats.org/presentationml/2006/main">
+  <p:cSld>
+    <p:spTree>
+      <p:nvGrpSpPr>
+        <p:cNvPr id="1" name=""/>
+        <p:cNvGrpSpPr/>
+        <p:nvPr/>
+      </p:nvGrpSpPr>
+      <p:grpSpPr>
+        <a:xfrm>
+          <a:off x="0" y="0"/>
+          <a:ext cx="0" cy="0"/>
+          <a:chOff x="0" y="0"/>
+          <a:chExt cx="0" cy="0"/>
+        </a:xfrm>
+      </p:grpSpPr>
+      <p:sp>
+        <p:nvSpPr>
+          <p:cNvPr id="2" name="Title 1">
+            <a:extLst>
+              <a:ext uri="{FF2B5EF4-FFF2-40B4-BE49-F238E27FC236}">
+                <a16:creationId xmlns:a16="http://schemas.microsoft.com/office/drawing/2014/main" id="{98C30922-1452-42C1-B5E8-E81F16DDC1F9}"/>
+              </a:ext>
+            </a:extLst>
+          </p:cNvPr>
+          <p:cNvSpPr>
+            <a:spLocks noGrp="1"/>
+          </p:cNvSpPr>
+          <p:nvPr>
+            <p:ph type="title"/>
+          </p:nvPr>
+        </p:nvSpPr>
+        <p:spPr/>
+        <p:txBody>
+          <a:bodyPr/>
+          <a:lstStyle/>
+          <a:p>
+            <a:r>
+              <a:rPr lang="en-US" dirty="0"/>
+              <a:t>Secure Coding</a:t>
+            </a:r>
+          </a:p>
+        </p:txBody>
+      </p:sp>
+      <p:sp>
+        <p:nvSpPr>
+          <p:cNvPr id="6" name="Content Placeholder 5">
+            <a:extLst>
+              <a:ext uri="{FF2B5EF4-FFF2-40B4-BE49-F238E27FC236}">
+                <a16:creationId xmlns:a16="http://schemas.microsoft.com/office/drawing/2014/main" id="{423851BF-20DB-4123-B586-DB363DE6BBA3}"/>
+              </a:ext>
+            </a:extLst>
+          </p:cNvPr>
+          <p:cNvSpPr>
+            <a:spLocks noGrp="1"/>
+          </p:cNvSpPr>
+          <p:nvPr>
+            <p:ph idx="1"/>
+          </p:nvPr>
+        </p:nvSpPr>
+        <p:spPr/>
+        <p:txBody>
+          <a:bodyPr/>
+          <a:lstStyle/>
+          <a:p>
+            <a:endParaRPr lang="en-US" dirty="0"/>
+          </a:p>
+        </p:txBody>
+      </p:sp>
+    </p:spTree>
+    <p:extLst>
+      <p:ext uri="{BB962C8B-B14F-4D97-AF65-F5344CB8AC3E}">
+        <p14:creationId xmlns:p14="http://schemas.microsoft.com/office/powerpoint/2010/main" val="2466575146"/>
+      </p:ext>
+    </p:extLst>
+  </p:cSld>
+  <p:clrMapOvr>
+    <a:masterClrMapping/>
+  </p:clrMapOvr>
+</p:sld>
+</file>
+
+<file path=ppt/slides/slide12.xml><?xml version="1.0" encoding="utf-8"?>
+<p:sld xmlns:a="http://schemas.openxmlformats.org/drawingml/2006/main" xmlns:r="http://schemas.openxmlformats.org/officeDocument/2006/relationships" xmlns:p="http://schemas.openxmlformats.org/presentationml/2006/main">
+  <p:cSld>
+    <p:spTree>
+      <p:nvGrpSpPr>
+        <p:cNvPr id="1" name=""/>
+        <p:cNvGrpSpPr/>
+        <p:nvPr/>
+      </p:nvGrpSpPr>
+      <p:grpSpPr>
+        <a:xfrm>
+          <a:off x="0" y="0"/>
+          <a:ext cx="0" cy="0"/>
+          <a:chOff x="0" y="0"/>
+          <a:chExt cx="0" cy="0"/>
+        </a:xfrm>
+      </p:grpSpPr>
+      <p:sp>
+        <p:nvSpPr>
+          <p:cNvPr id="2" name="Title 1">
+            <a:extLst>
+              <a:ext uri="{FF2B5EF4-FFF2-40B4-BE49-F238E27FC236}">
+                <a16:creationId xmlns:a16="http://schemas.microsoft.com/office/drawing/2014/main" id="{98C30922-1452-42C1-B5E8-E81F16DDC1F9}"/>
+              </a:ext>
+            </a:extLst>
+          </p:cNvPr>
+          <p:cNvSpPr>
+            <a:spLocks noGrp="1"/>
+          </p:cNvSpPr>
+          <p:nvPr>
+            <p:ph type="title"/>
+          </p:nvPr>
+        </p:nvSpPr>
+        <p:spPr/>
+        <p:txBody>
+          <a:bodyPr/>
+          <a:lstStyle/>
+          <a:p>
+            <a:r>
+              <a:rPr lang="en-US" dirty="0"/>
+              <a:t>Unit Testing</a:t>
+            </a:r>
+          </a:p>
+        </p:txBody>
+      </p:sp>
+      <p:sp>
+        <p:nvSpPr>
+          <p:cNvPr id="6" name="Content Placeholder 5">
+            <a:extLst>
+              <a:ext uri="{FF2B5EF4-FFF2-40B4-BE49-F238E27FC236}">
+                <a16:creationId xmlns:a16="http://schemas.microsoft.com/office/drawing/2014/main" id="{423851BF-20DB-4123-B586-DB363DE6BBA3}"/>
+              </a:ext>
+            </a:extLst>
+          </p:cNvPr>
+          <p:cNvSpPr>
+            <a:spLocks noGrp="1"/>
+          </p:cNvSpPr>
+          <p:nvPr>
+            <p:ph idx="1"/>
+          </p:nvPr>
+        </p:nvSpPr>
+        <p:spPr/>
+        <p:txBody>
+          <a:bodyPr/>
+          <a:lstStyle/>
+          <a:p>
+            <a:pPr algn="l"/>
+            <a:r>
+              <a:rPr lang="en-US" sz="1800" b="0" i="0" u="none" strike="noStrike" baseline="0" dirty="0">
+                <a:solidFill>
+                  <a:srgbClr val="F15A28"/>
+                </a:solidFill>
+                <a:latin typeface="Gotham-Medium"/>
+              </a:rPr>
+              <a:t>Jasmine</a:t>
+            </a:r>
+          </a:p>
+          <a:p>
+            <a:pPr algn="l"/>
+            <a:r>
+              <a:rPr lang="en-US" sz="1800" b="0" i="0" u="none" strike="noStrike" baseline="0" dirty="0">
+                <a:solidFill>
+                  <a:srgbClr val="F15A28"/>
+                </a:solidFill>
+                <a:latin typeface="Gotham-Medium"/>
+              </a:rPr>
+              <a:t>Karma</a:t>
+            </a:r>
+          </a:p>
+          <a:p>
+            <a:pPr algn="l"/>
+            <a:r>
+              <a:rPr lang="en-US" sz="1800" b="0" i="0" u="none" strike="noStrike" baseline="0" dirty="0">
+                <a:solidFill>
+                  <a:srgbClr val="F15A28"/>
+                </a:solidFill>
+                <a:latin typeface="Gotham-Medium"/>
+              </a:rPr>
+              <a:t>Angular testing utilities</a:t>
+            </a:r>
+          </a:p>
+          <a:p>
+            <a:pPr algn="l"/>
+            <a:r>
+              <a:rPr lang="en-US" sz="1800" b="0" i="0" u="none" strike="noStrike" baseline="0" dirty="0">
+                <a:solidFill>
+                  <a:srgbClr val="F15A28"/>
+                </a:solidFill>
+                <a:latin typeface="Gotham-Medium"/>
+              </a:rPr>
+              <a:t>Angular CLI</a:t>
+            </a:r>
+          </a:p>
+          <a:p>
+            <a:pPr algn="l"/>
+            <a:r>
+              <a:rPr lang="en-US" sz="1800" b="0" i="0" u="none" strike="noStrike" baseline="0" dirty="0" err="1">
+                <a:solidFill>
+                  <a:srgbClr val="F15A28"/>
+                </a:solidFill>
+                <a:latin typeface="Gotham-Medium"/>
+              </a:rPr>
+              <a:t>npm</a:t>
+            </a:r>
+            <a:r>
+              <a:rPr lang="en-US" sz="1800" b="0" i="0" u="none" strike="noStrike" baseline="0" dirty="0">
+                <a:solidFill>
+                  <a:srgbClr val="F15A28"/>
+                </a:solidFill>
+                <a:latin typeface="Gotham-Medium"/>
+              </a:rPr>
+              <a:t> scripts</a:t>
+            </a:r>
+            <a:endParaRPr lang="en-US" dirty="0"/>
+          </a:p>
+        </p:txBody>
+      </p:sp>
+    </p:spTree>
+    <p:extLst>
+      <p:ext uri="{BB962C8B-B14F-4D97-AF65-F5344CB8AC3E}">
+        <p14:creationId xmlns:p14="http://schemas.microsoft.com/office/powerpoint/2010/main" val="1082920253"/>
+      </p:ext>
+    </p:extLst>
+  </p:cSld>
+  <p:clrMapOvr>
+    <a:masterClrMapping/>
+  </p:clrMapOvr>
+</p:sld>
+</file>
+
+<file path=ppt/slides/slide13.xml><?xml version="1.0" encoding="utf-8"?>
+<p:sld xmlns:a="http://schemas.openxmlformats.org/drawingml/2006/main" xmlns:r="http://schemas.openxmlformats.org/officeDocument/2006/relationships" xmlns:p="http://schemas.openxmlformats.org/presentationml/2006/main">
+  <p:cSld>
+    <p:spTree>
+      <p:nvGrpSpPr>
+        <p:cNvPr id="1" name=""/>
+        <p:cNvGrpSpPr/>
+        <p:nvPr/>
+      </p:nvGrpSpPr>
+      <p:grpSpPr>
+        <a:xfrm>
+          <a:off x="0" y="0"/>
+          <a:ext cx="0" cy="0"/>
+          <a:chOff x="0" y="0"/>
+          <a:chExt cx="0" cy="0"/>
+        </a:xfrm>
+      </p:grpSpPr>
+      <p:sp>
+        <p:nvSpPr>
+          <p:cNvPr id="2" name="Title 1">
+            <a:extLst>
+              <a:ext uri="{FF2B5EF4-FFF2-40B4-BE49-F238E27FC236}">
+                <a16:creationId xmlns:a16="http://schemas.microsoft.com/office/drawing/2014/main" id="{98C30922-1452-42C1-B5E8-E81F16DDC1F9}"/>
+              </a:ext>
+            </a:extLst>
+          </p:cNvPr>
+          <p:cNvSpPr>
+            <a:spLocks noGrp="1"/>
+          </p:cNvSpPr>
+          <p:nvPr>
+            <p:ph type="title"/>
+          </p:nvPr>
+        </p:nvSpPr>
+        <p:spPr/>
+        <p:txBody>
+          <a:bodyPr/>
+          <a:lstStyle/>
+          <a:p>
+            <a:r>
+              <a:rPr lang="en-US" dirty="0"/>
+              <a:t>Unit Testing</a:t>
+            </a:r>
+          </a:p>
+        </p:txBody>
+      </p:sp>
+      <p:sp>
+        <p:nvSpPr>
+          <p:cNvPr id="7" name="Content Placeholder 6">
+            <a:extLst>
+              <a:ext uri="{FF2B5EF4-FFF2-40B4-BE49-F238E27FC236}">
+                <a16:creationId xmlns:a16="http://schemas.microsoft.com/office/drawing/2014/main" id="{5F35C1E1-309D-4393-8E42-75222B237A21}"/>
+              </a:ext>
+            </a:extLst>
+          </p:cNvPr>
+          <p:cNvSpPr>
+            <a:spLocks noGrp="1"/>
+          </p:cNvSpPr>
+          <p:nvPr>
+            <p:ph idx="1"/>
+          </p:nvPr>
+        </p:nvSpPr>
+        <p:spPr>
+          <a:xfrm>
+            <a:off x="838200" y="1447060"/>
+            <a:ext cx="10515600" cy="4729903"/>
+          </a:xfrm>
+        </p:spPr>
+        <p:txBody>
+          <a:bodyPr/>
+          <a:lstStyle/>
+          <a:p>
+            <a:r>
+              <a:rPr lang="en-US" dirty="0"/>
+              <a:t>Structure of Jasmine Unit Test</a:t>
+            </a:r>
+          </a:p>
+          <a:p>
+            <a:endParaRPr lang="en-US" dirty="0"/>
+          </a:p>
+        </p:txBody>
+      </p:sp>
+      <p:pic>
+        <p:nvPicPr>
+          <p:cNvPr id="9" name="Picture 8">
+            <a:extLst>
+              <a:ext uri="{FF2B5EF4-FFF2-40B4-BE49-F238E27FC236}">
+                <a16:creationId xmlns:a16="http://schemas.microsoft.com/office/drawing/2014/main" id="{2F94296E-4D85-4B3B-98F8-9450341DF321}"/>
+              </a:ext>
+            </a:extLst>
+          </p:cNvPr>
+          <p:cNvPicPr>
+            <a:picLocks noChangeAspect="1"/>
+          </p:cNvPicPr>
+          <p:nvPr/>
+        </p:nvPicPr>
+        <p:blipFill>
+          <a:blip r:embed="rId2">
+            <a:extLst>
+              <a:ext uri="{28A0092B-C50C-407E-A947-70E740481C1C}">
+                <a14:useLocalDpi xmlns:a14="http://schemas.microsoft.com/office/drawing/2010/main" val="0"/>
+              </a:ext>
+            </a:extLst>
+          </a:blip>
+          <a:stretch>
+            <a:fillRect/>
+          </a:stretch>
+        </p:blipFill>
+        <p:spPr>
+          <a:xfrm>
+            <a:off x="3959425" y="2279929"/>
+            <a:ext cx="6791434" cy="4407686"/>
+          </a:xfrm>
+          <a:prstGeom prst="rect">
+            <a:avLst/>
+          </a:prstGeom>
+        </p:spPr>
+      </p:pic>
+    </p:spTree>
+    <p:extLst>
+      <p:ext uri="{BB962C8B-B14F-4D97-AF65-F5344CB8AC3E}">
+        <p14:creationId xmlns:p14="http://schemas.microsoft.com/office/powerpoint/2010/main" val="4183599859"/>
+      </p:ext>
+    </p:extLst>
+  </p:cSld>
+  <p:clrMapOvr>
+    <a:masterClrMapping/>
+  </p:clrMapOvr>
+</p:sld>
+</file>
+
 <file path=ppt/slides/slide2.xml><?xml version="1.0" encoding="utf-8"?>
 <p:sld xmlns:a="http://schemas.openxmlformats.org/drawingml/2006/main" xmlns:r="http://schemas.openxmlformats.org/officeDocument/2006/relationships" xmlns:p="http://schemas.openxmlformats.org/presentationml/2006/main">
   <p:cSld>
@@ -6476,7 +6965,29 @@
           <a:p>
             <a:r>
               <a:rPr lang="en-US" dirty="0"/>
-              <a:t>Consuming REST calls</a:t>
+              <a:t>Observables &amp; Callbacks</a:t>
+            </a:r>
+          </a:p>
+          <a:p>
+            <a:pPr lvl="1"/>
+            <a:r>
+              <a:rPr lang="en-US" dirty="0"/>
+              <a:t>Transform Data with </a:t>
+            </a:r>
+            <a:r>
+              <a:rPr lang="en-US" dirty="0" err="1"/>
+              <a:t>RxJS</a:t>
+            </a:r>
+            <a:r>
+              <a:rPr lang="en-US" dirty="0"/>
+              <a:t> Operators</a:t>
+            </a:r>
+          </a:p>
+          <a:p>
+            <a:pPr lvl="1"/>
+            <a:r>
+              <a:rPr lang="en-US" dirty="0"/>
+              <a:t>Operator Chaining for complex transformations</a:t>
             </a:r>
           </a:p>
           <a:p>
@@ -6486,6 +6997,13 @@
             </a:r>
           </a:p>
           <a:p>
+            <a:pPr lvl="1"/>
+            <a:r>
+              <a:rPr lang="en-US" dirty="0"/>
+              <a:t>Encapsulate Http Errors in a service</a:t>
+            </a:r>
+          </a:p>
+          <a:p>
             <a:r>
               <a:rPr lang="en-US" dirty="0"/>
               <a:t>Resolvers</a:t>
@@ -6508,6 +7026,12 @@
               <a:rPr lang="en-US" dirty="0"/>
               <a:t>Testing</a:t>
             </a:r>
+          </a:p>
+          <a:p>
+            <a:endParaRPr lang="en-US" dirty="0"/>
+          </a:p>
+          <a:p>
+            <a:endParaRPr lang="en-US" dirty="0"/>
           </a:p>
           <a:p>
             <a:endParaRPr lang="en-US" dirty="0"/>
@@ -6567,7 +7091,7 @@
           <a:p>
             <a:r>
               <a:rPr lang="en-US" dirty="0"/>
-              <a:t>Security</a:t>
+              <a:t>Http – RESTful CRUDs</a:t>
             </a:r>
           </a:p>
         </p:txBody>
@@ -6590,25 +7114,327 @@
         </p:nvSpPr>
         <p:spPr/>
         <p:txBody>
-          <a:bodyPr/>
+          <a:bodyPr>
+            <a:normAutofit fontScale="92500" lnSpcReduction="10000"/>
+          </a:bodyPr>
           <a:lstStyle/>
           <a:p>
-            <a:r>
-              <a:rPr lang="en-US" dirty="0"/>
-              <a:t>Authentication </a:t>
-            </a:r>
-          </a:p>
-          <a:p>
-            <a:r>
-              <a:rPr lang="en-US" dirty="0"/>
-              <a:t>Authorization</a:t>
-            </a:r>
-          </a:p>
-          <a:p>
-            <a:r>
-              <a:rPr lang="en-US" dirty="0"/>
-              <a:t>Route Guards</a:t>
-            </a:r>
+            <a:pPr marL="0" indent="0" algn="l">
+              <a:buNone/>
+            </a:pPr>
+            <a:r>
+              <a:rPr lang="en-US" sz="1800" b="0" i="0" u="none" strike="noStrike" baseline="0" dirty="0">
+                <a:solidFill>
+                  <a:srgbClr val="F15A28"/>
+                </a:solidFill>
+                <a:latin typeface="Gotham-Medium"/>
+              </a:rPr>
+              <a:t>Create</a:t>
+            </a:r>
+          </a:p>
+          <a:p>
+            <a:pPr algn="l"/>
+            <a:r>
+              <a:rPr lang="nn-NO" sz="1800" b="0" i="0" u="none" strike="noStrike" baseline="0" dirty="0">
+                <a:solidFill>
+                  <a:srgbClr val="F15A28"/>
+                </a:solidFill>
+                <a:latin typeface="LucidaGrande"/>
+              </a:rPr>
+              <a:t>- </a:t>
+            </a:r>
+            <a:r>
+              <a:rPr lang="nn-NO" sz="1800" b="0" i="0" u="none" strike="noStrike" baseline="0" dirty="0">
+                <a:solidFill>
+                  <a:srgbClr val="F15A28"/>
+                </a:solidFill>
+                <a:latin typeface="Gotham-Book"/>
+              </a:rPr>
+              <a:t>POST – </a:t>
+            </a:r>
+            <a:r>
+              <a:rPr lang="nn-NO" sz="1800" b="0" i="0" u="none" strike="noStrike" baseline="0" dirty="0">
+                <a:solidFill>
+                  <a:srgbClr val="2AA0BD"/>
+                </a:solidFill>
+                <a:latin typeface="Gotham-Book"/>
+              </a:rPr>
+              <a:t>http://localhost/api/products</a:t>
+            </a:r>
+            <a:endParaRPr lang="nn-NO" sz="1800" b="0" i="0" u="none" strike="noStrike" baseline="0" dirty="0">
+              <a:solidFill>
+                <a:srgbClr val="F15A28"/>
+              </a:solidFill>
+              <a:latin typeface="Gotham-Book"/>
+            </a:endParaRPr>
+          </a:p>
+          <a:p>
+            <a:pPr algn="l"/>
+            <a:r>
+              <a:rPr lang="en-US" sz="1800" b="0" i="0" u="none" strike="noStrike" baseline="0" dirty="0">
+                <a:solidFill>
+                  <a:srgbClr val="F15A28"/>
+                </a:solidFill>
+                <a:latin typeface="LucidaGrande"/>
+              </a:rPr>
+              <a:t>- </a:t>
+            </a:r>
+            <a:r>
+              <a:rPr lang="en-US" sz="1800" b="0" i="0" u="none" strike="noStrike" baseline="0" dirty="0">
+                <a:solidFill>
+                  <a:srgbClr val="F15A28"/>
+                </a:solidFill>
+                <a:latin typeface="Gotham-Book"/>
+              </a:rPr>
+              <a:t>If successful, returns HTTP 201 Created</a:t>
+            </a:r>
+          </a:p>
+          <a:p>
+            <a:pPr marL="0" indent="0" algn="l">
+              <a:buNone/>
+            </a:pPr>
+            <a:r>
+              <a:rPr lang="en-US" sz="1800" b="0" i="0" u="none" strike="noStrike" baseline="0" dirty="0">
+                <a:solidFill>
+                  <a:srgbClr val="F15A28"/>
+                </a:solidFill>
+                <a:latin typeface="Gotham-Medium"/>
+              </a:rPr>
+              <a:t>Read</a:t>
+            </a:r>
+          </a:p>
+          <a:p>
+            <a:pPr algn="l"/>
+            <a:r>
+              <a:rPr lang="en-US" sz="1800" b="0" i="0" u="none" strike="noStrike" baseline="0" dirty="0">
+                <a:solidFill>
+                  <a:srgbClr val="F15A28"/>
+                </a:solidFill>
+                <a:latin typeface="LucidaGrande"/>
+              </a:rPr>
+              <a:t>- </a:t>
+            </a:r>
+            <a:r>
+              <a:rPr lang="en-US" sz="1800" b="0" i="0" u="none" strike="noStrike" baseline="0" dirty="0">
+                <a:solidFill>
+                  <a:srgbClr val="F15A28"/>
+                </a:solidFill>
+                <a:latin typeface="Gotham-Book"/>
+              </a:rPr>
+              <a:t>GET – </a:t>
+            </a:r>
+            <a:r>
+              <a:rPr lang="en-US" sz="1800" b="0" i="0" u="none" strike="noStrike" baseline="0" dirty="0">
+                <a:solidFill>
+                  <a:srgbClr val="2AA0BD"/>
+                </a:solidFill>
+                <a:latin typeface="Gotham-Book"/>
+              </a:rPr>
+              <a:t>http://localhost/api/products</a:t>
+            </a:r>
+            <a:r>
+              <a:rPr lang="en-US" sz="1800" b="0" i="0" u="none" strike="noStrike" baseline="0" dirty="0">
+                <a:solidFill>
+                  <a:srgbClr val="F15A28"/>
+                </a:solidFill>
+                <a:latin typeface="Gotham-Book"/>
+              </a:rPr>
+              <a:t> OR</a:t>
+            </a:r>
+          </a:p>
+          <a:p>
+            <a:pPr algn="l"/>
+            <a:r>
+              <a:rPr lang="en-US" sz="1800" b="0" i="0" u="none" strike="noStrike" baseline="0" dirty="0">
+                <a:solidFill>
+                  <a:srgbClr val="2AA0BD"/>
+                </a:solidFill>
+                <a:latin typeface="Gotham-Book"/>
+              </a:rPr>
+              <a:t>http://localhost/api/product/</a:t>
+            </a:r>
+            <a:r>
+              <a:rPr lang="en-US" sz="1800" b="0" i="0" u="none" strike="noStrike" baseline="0" dirty="0">
+                <a:solidFill>
+                  <a:srgbClr val="F15A28"/>
+                </a:solidFill>
+                <a:latin typeface="Gotham-Book"/>
+              </a:rPr>
+              <a:t>5</a:t>
+            </a:r>
+          </a:p>
+          <a:p>
+            <a:pPr algn="l"/>
+            <a:r>
+              <a:rPr lang="en-US" sz="1800" b="0" i="0" u="none" strike="noStrike" baseline="0" dirty="0">
+                <a:solidFill>
+                  <a:srgbClr val="F15A28"/>
+                </a:solidFill>
+                <a:latin typeface="LucidaGrande"/>
+              </a:rPr>
+              <a:t>- </a:t>
+            </a:r>
+            <a:r>
+              <a:rPr lang="en-US" sz="1800" b="0" i="0" u="none" strike="noStrike" baseline="0" dirty="0">
+                <a:solidFill>
+                  <a:srgbClr val="F15A28"/>
+                </a:solidFill>
+                <a:latin typeface="Gotham-Book"/>
+              </a:rPr>
+              <a:t>If successful, returns HTTP 200 OK</a:t>
+            </a:r>
+          </a:p>
+          <a:p>
+            <a:pPr marL="0" indent="0" algn="l">
+              <a:buNone/>
+            </a:pPr>
+            <a:r>
+              <a:rPr lang="en-US" sz="1800" b="0" i="0" u="none" strike="noStrike" baseline="0" dirty="0">
+                <a:solidFill>
+                  <a:srgbClr val="F15A28"/>
+                </a:solidFill>
+                <a:latin typeface="Gotham-Medium"/>
+              </a:rPr>
+              <a:t>Update</a:t>
+            </a:r>
+          </a:p>
+          <a:p>
+            <a:pPr algn="l"/>
+            <a:r>
+              <a:rPr lang="en-US" sz="1800" b="0" i="0" u="none" strike="noStrike" baseline="0" dirty="0">
+                <a:solidFill>
+                  <a:srgbClr val="F15A28"/>
+                </a:solidFill>
+                <a:latin typeface="LucidaGrande"/>
+              </a:rPr>
+              <a:t>- </a:t>
+            </a:r>
+            <a:r>
+              <a:rPr lang="en-US" sz="1800" b="0" i="0" u="none" strike="noStrike" baseline="0" dirty="0">
+                <a:solidFill>
+                  <a:srgbClr val="F15A28"/>
+                </a:solidFill>
+                <a:latin typeface="Gotham-Book"/>
+              </a:rPr>
+              <a:t>PUT – </a:t>
+            </a:r>
+            <a:r>
+              <a:rPr lang="en-US" sz="1800" b="0" i="0" u="none" strike="noStrike" baseline="0" dirty="0">
+                <a:solidFill>
+                  <a:srgbClr val="2AA0BD"/>
+                </a:solidFill>
+                <a:latin typeface="Gotham-Book"/>
+              </a:rPr>
+              <a:t>http://localhost/api/product/</a:t>
+            </a:r>
+            <a:r>
+              <a:rPr lang="en-US" sz="1800" b="0" i="0" u="none" strike="noStrike" baseline="0" dirty="0">
+                <a:solidFill>
+                  <a:srgbClr val="F15A28"/>
+                </a:solidFill>
+                <a:latin typeface="Gotham-Book"/>
+              </a:rPr>
+              <a:t>5</a:t>
+            </a:r>
+          </a:p>
+          <a:p>
+            <a:pPr algn="l"/>
+            <a:r>
+              <a:rPr lang="en-US" sz="1800" b="0" i="0" u="none" strike="noStrike" baseline="0" dirty="0">
+                <a:solidFill>
+                  <a:srgbClr val="F15A28"/>
+                </a:solidFill>
+                <a:latin typeface="LucidaGrande"/>
+              </a:rPr>
+              <a:t>- </a:t>
+            </a:r>
+            <a:r>
+              <a:rPr lang="en-US" sz="1800" b="0" i="0" u="none" strike="noStrike" baseline="0" dirty="0">
+                <a:solidFill>
+                  <a:srgbClr val="F15A28"/>
+                </a:solidFill>
+                <a:latin typeface="Gotham-Book"/>
+              </a:rPr>
+              <a:t>If successful, returns HTTP 204 No Content</a:t>
+            </a:r>
+          </a:p>
+          <a:p>
+            <a:pPr marL="0" indent="0" algn="l">
+              <a:buNone/>
+            </a:pPr>
+            <a:r>
+              <a:rPr lang="en-US" sz="1800" b="0" i="0" u="none" strike="noStrike" baseline="0" dirty="0">
+                <a:solidFill>
+                  <a:srgbClr val="F15A28"/>
+                </a:solidFill>
+                <a:latin typeface="Gotham-Medium"/>
+              </a:rPr>
+              <a:t>Delete</a:t>
+            </a:r>
+          </a:p>
+          <a:p>
+            <a:pPr algn="l"/>
+            <a:r>
+              <a:rPr lang="en-US" sz="1800" b="0" i="0" u="none" strike="noStrike" baseline="0" dirty="0">
+                <a:solidFill>
+                  <a:srgbClr val="F15A28"/>
+                </a:solidFill>
+                <a:latin typeface="LucidaGrande"/>
+              </a:rPr>
+              <a:t>- </a:t>
+            </a:r>
+            <a:r>
+              <a:rPr lang="en-US" sz="1800" b="0" i="0" u="none" strike="noStrike" baseline="0" dirty="0">
+                <a:solidFill>
+                  <a:srgbClr val="F15A28"/>
+                </a:solidFill>
+                <a:latin typeface="Gotham-Book"/>
+              </a:rPr>
+              <a:t>DELETE – </a:t>
+            </a:r>
+            <a:r>
+              <a:rPr lang="en-US" sz="1800" b="0" i="0" u="none" strike="noStrike" baseline="0" dirty="0">
+                <a:solidFill>
+                  <a:srgbClr val="2AA0BD"/>
+                </a:solidFill>
+                <a:latin typeface="Gotham-Book"/>
+              </a:rPr>
+              <a:t>http://localhost/api/product/</a:t>
+            </a:r>
+            <a:r>
+              <a:rPr lang="en-US" sz="1800" b="0" i="0" u="none" strike="noStrike" baseline="0" dirty="0">
+                <a:solidFill>
+                  <a:srgbClr val="F15A28"/>
+                </a:solidFill>
+                <a:latin typeface="Gotham-Book"/>
+              </a:rPr>
+              <a:t>5</a:t>
+            </a:r>
+          </a:p>
+          <a:p>
+            <a:pPr algn="l"/>
+            <a:r>
+              <a:rPr lang="en-US" sz="1800" b="0" i="0" u="none" strike="noStrike" baseline="0" dirty="0">
+                <a:solidFill>
+                  <a:srgbClr val="F15A28"/>
+                </a:solidFill>
+                <a:latin typeface="LucidaGrande"/>
+              </a:rPr>
+              <a:t>- </a:t>
+            </a:r>
+            <a:r>
+              <a:rPr lang="en-US" sz="1800" b="0" i="0" u="none" strike="noStrike" baseline="0" dirty="0">
+                <a:solidFill>
+                  <a:srgbClr val="F15A28"/>
+                </a:solidFill>
+                <a:latin typeface="Gotham-Book"/>
+              </a:rPr>
+              <a:t>If successful, returns HTTP 204 No Content</a:t>
+            </a:r>
+            <a:endParaRPr lang="en-US" dirty="0"/>
+          </a:p>
+          <a:p>
+            <a:endParaRPr lang="en-US" dirty="0"/>
           </a:p>
           <a:p>
             <a:endParaRPr lang="en-US" dirty="0"/>
@@ -6618,7 +7444,7 @@
     </p:spTree>
     <p:extLst>
       <p:ext uri="{BB962C8B-B14F-4D97-AF65-F5344CB8AC3E}">
-        <p14:creationId xmlns:p14="http://schemas.microsoft.com/office/powerpoint/2010/main" val="2371602688"/>
+        <p14:creationId xmlns:p14="http://schemas.microsoft.com/office/powerpoint/2010/main" val="1903523109"/>
       </p:ext>
     </p:extLst>
   </p:cSld>
@@ -6668,7 +7494,7 @@
           <a:p>
             <a:r>
               <a:rPr lang="en-US" dirty="0"/>
-              <a:t>Secure Coding</a:t>
+              <a:t>Resolvers</a:t>
             </a:r>
           </a:p>
         </p:txBody>
@@ -6694,14 +7520,114 @@
           <a:bodyPr/>
           <a:lstStyle/>
           <a:p>
+            <a:pPr algn="l"/>
+            <a:r>
+              <a:rPr lang="en-US" sz="1800" b="0" i="0" u="none" strike="noStrike" baseline="0" dirty="0">
+                <a:solidFill>
+                  <a:srgbClr val="F15A28"/>
+                </a:solidFill>
+                <a:latin typeface="Gotham-Medium"/>
+              </a:rPr>
+              <a:t>Fetch data before navigating</a:t>
+            </a:r>
+          </a:p>
+          <a:p>
+            <a:pPr algn="l"/>
+            <a:r>
+              <a:rPr lang="en-US" sz="1800" b="0" i="0" u="none" strike="noStrike" baseline="0" dirty="0">
+                <a:solidFill>
+                  <a:srgbClr val="F15A28"/>
+                </a:solidFill>
+                <a:latin typeface="Gotham-Medium"/>
+              </a:rPr>
+              <a:t>Prevent presentation of an empty</a:t>
+            </a:r>
+          </a:p>
+          <a:p>
+            <a:pPr algn="l"/>
+            <a:r>
+              <a:rPr lang="en-US" sz="1800" b="0" i="0" u="none" strike="noStrike" baseline="0" dirty="0">
+                <a:solidFill>
+                  <a:srgbClr val="F15A28"/>
+                </a:solidFill>
+                <a:latin typeface="Gotham-Medium"/>
+              </a:rPr>
+              <a:t>component</a:t>
+            </a:r>
+          </a:p>
+          <a:p>
+            <a:pPr algn="l"/>
+            <a:r>
+              <a:rPr lang="en-US" sz="1800" b="0" i="0" u="none" strike="noStrike" baseline="0" dirty="0">
+                <a:solidFill>
+                  <a:srgbClr val="F15A28"/>
+                </a:solidFill>
+                <a:latin typeface="Gotham-Medium"/>
+              </a:rPr>
+              <a:t>Prevent routing to component with errors</a:t>
+            </a:r>
+          </a:p>
+          <a:p>
+            <a:pPr algn="l"/>
+            <a:r>
+              <a:rPr lang="en-US" sz="1800" b="0" i="0" u="none" strike="noStrike" baseline="0" dirty="0">
+                <a:solidFill>
+                  <a:srgbClr val="F15A28"/>
+                </a:solidFill>
+                <a:latin typeface="Gotham-Medium"/>
+              </a:rPr>
+              <a:t>Provide better user experience </a:t>
+            </a:r>
             <a:endParaRPr lang="en-US" dirty="0"/>
           </a:p>
-        </p:txBody>
-      </p:sp>
+          <a:p>
+            <a:endParaRPr lang="en-US" dirty="0"/>
+          </a:p>
+          <a:p>
+            <a:endParaRPr lang="en-US" dirty="0"/>
+          </a:p>
+        </p:txBody>
+      </p:sp>
+      <p:pic>
+        <p:nvPicPr>
+          <p:cNvPr id="4" name="Picture 3">
+            <a:extLst>
+              <a:ext uri="{FF2B5EF4-FFF2-40B4-BE49-F238E27FC236}">
+                <a16:creationId xmlns:a16="http://schemas.microsoft.com/office/drawing/2014/main" id="{BE52E5AE-4371-4804-A03E-82278AFA1200}"/>
+              </a:ext>
+            </a:extLst>
+          </p:cNvPr>
+          <p:cNvPicPr>
+            <a:picLocks noChangeAspect="1"/>
+          </p:cNvPicPr>
+          <p:nvPr/>
+        </p:nvPicPr>
+        <p:blipFill>
+          <a:blip r:embed="rId2">
+            <a:extLst>
+              <a:ext uri="{28A0092B-C50C-407E-A947-70E740481C1C}">
+                <a14:useLocalDpi xmlns:a14="http://schemas.microsoft.com/office/drawing/2010/main" val="0"/>
+              </a:ext>
+            </a:extLst>
+          </a:blip>
+          <a:stretch>
+            <a:fillRect/>
+          </a:stretch>
+        </p:blipFill>
+        <p:spPr>
+          <a:xfrm>
+            <a:off x="3187545" y="3656209"/>
+            <a:ext cx="7059789" cy="2655691"/>
+          </a:xfrm>
+          <a:prstGeom prst="rect">
+            <a:avLst/>
+          </a:prstGeom>
+        </p:spPr>
+      </p:pic>
     </p:spTree>
     <p:extLst>
       <p:ext uri="{BB962C8B-B14F-4D97-AF65-F5344CB8AC3E}">
-        <p14:creationId xmlns:p14="http://schemas.microsoft.com/office/powerpoint/2010/main" val="2466575146"/>
+        <p14:creationId xmlns:p14="http://schemas.microsoft.com/office/powerpoint/2010/main" val="4210482278"/>
       </p:ext>
     </p:extLst>
   </p:cSld>
@@ -6751,7 +7677,7 @@
           <a:p>
             <a:r>
               <a:rPr lang="en-US" dirty="0"/>
-              <a:t>Unit Testing</a:t>
+              <a:t>Interceptors</a:t>
             </a:r>
           </a:p>
         </p:txBody>
@@ -6776,6 +7702,145 @@
         <p:txBody>
           <a:bodyPr/>
           <a:lstStyle/>
+          <a:p>
+            <a:pPr marL="0" indent="0" algn="l">
+              <a:buNone/>
+            </a:pPr>
+            <a:r>
+              <a:rPr lang="en-US" sz="1800" b="0" i="0" u="none" strike="noStrike" baseline="0" dirty="0">
+                <a:solidFill>
+                  <a:srgbClr val="F15A28"/>
+                </a:solidFill>
+                <a:latin typeface="Gotham-Medium"/>
+              </a:rPr>
+              <a:t>Interceptors are Services</a:t>
+            </a:r>
+          </a:p>
+          <a:p>
+            <a:pPr algn="l"/>
+            <a:r>
+              <a:rPr lang="en-US" sz="1800" b="0" i="0" u="none" strike="noStrike" baseline="0" dirty="0">
+                <a:solidFill>
+                  <a:srgbClr val="F15A28"/>
+                </a:solidFill>
+                <a:latin typeface="Gotham-Medium"/>
+              </a:rPr>
+              <a:t>Implement the </a:t>
+            </a:r>
+            <a:r>
+              <a:rPr lang="en-US" sz="1800" b="0" i="0" u="none" strike="noStrike" baseline="0" dirty="0" err="1">
+                <a:solidFill>
+                  <a:srgbClr val="F15A28"/>
+                </a:solidFill>
+                <a:latin typeface="Gotham-Medium"/>
+              </a:rPr>
+              <a:t>HttpInterceptor</a:t>
+            </a:r>
+            <a:r>
+              <a:rPr lang="en-US" sz="1800" b="0" i="0" u="none" strike="noStrike" baseline="0" dirty="0">
+                <a:solidFill>
+                  <a:srgbClr val="F15A28"/>
+                </a:solidFill>
+                <a:latin typeface="Gotham-Medium"/>
+              </a:rPr>
+              <a:t> interface</a:t>
+            </a:r>
+          </a:p>
+          <a:p>
+            <a:pPr algn="l"/>
+            <a:r>
+              <a:rPr lang="en-US" sz="1800" b="0" i="0" u="none" strike="noStrike" baseline="0" dirty="0">
+                <a:solidFill>
+                  <a:srgbClr val="F15A28"/>
+                </a:solidFill>
+                <a:latin typeface="Gotham-Medium"/>
+              </a:rPr>
+              <a:t>Manipulate HTTP requests before they’re sent to the server</a:t>
+            </a:r>
+          </a:p>
+          <a:p>
+            <a:pPr algn="l"/>
+            <a:r>
+              <a:rPr lang="en-US" sz="1800" b="0" i="0" u="none" strike="noStrike" baseline="0" dirty="0">
+                <a:solidFill>
+                  <a:srgbClr val="F15A28"/>
+                </a:solidFill>
+                <a:latin typeface="Gotham-Medium"/>
+              </a:rPr>
+              <a:t>Manipulate HTTP responses before they’re returned to your app</a:t>
+            </a:r>
+            <a:endParaRPr lang="en-US" dirty="0"/>
+          </a:p>
+          <a:p>
+            <a:pPr marL="0" indent="0">
+              <a:buNone/>
+            </a:pPr>
+            <a:endParaRPr lang="en-US" dirty="0"/>
+          </a:p>
+          <a:p>
+            <a:pPr marL="0" indent="0">
+              <a:buNone/>
+            </a:pPr>
+            <a:r>
+              <a:rPr lang="en-US" dirty="0"/>
+              <a:t>Uses of </a:t>
+            </a:r>
+            <a:r>
+              <a:rPr lang="en-US" dirty="0" err="1"/>
+              <a:t>Inerceptors</a:t>
+            </a:r>
+            <a:endParaRPr lang="en-US" dirty="0"/>
+          </a:p>
+          <a:p>
+            <a:pPr marL="0" indent="0">
+              <a:buNone/>
+            </a:pPr>
+            <a:r>
+              <a:rPr lang="en-US" sz="1800" b="0" i="0" u="none" strike="noStrike" baseline="0" dirty="0">
+                <a:latin typeface="Gotham-Medium"/>
+              </a:rPr>
+              <a:t>Adding headers to all requests</a:t>
+            </a:r>
+          </a:p>
+          <a:p>
+            <a:pPr marL="0" indent="0">
+              <a:buNone/>
+            </a:pPr>
+            <a:r>
+              <a:rPr lang="en-US" sz="1800" dirty="0">
+                <a:latin typeface="Gotham-Medium"/>
+              </a:rPr>
+              <a:t>Logging</a:t>
+            </a:r>
+          </a:p>
+          <a:p>
+            <a:pPr marL="0" indent="0">
+              <a:buNone/>
+            </a:pPr>
+            <a:r>
+              <a:rPr lang="en-US" sz="1800" dirty="0">
+                <a:latin typeface="Gotham-Medium"/>
+              </a:rPr>
+              <a:t>Reporting progress events</a:t>
+            </a:r>
+          </a:p>
+          <a:p>
+            <a:pPr marL="0" indent="0">
+              <a:buNone/>
+            </a:pPr>
+            <a:r>
+              <a:rPr lang="en-US" sz="1800" dirty="0">
+                <a:latin typeface="Gotham-Medium"/>
+              </a:rPr>
+              <a:t>Client Side Caching</a:t>
+            </a:r>
+          </a:p>
+          <a:p>
+            <a:pPr marL="0" indent="0">
+              <a:buNone/>
+            </a:pPr>
+            <a:endParaRPr lang="en-US" dirty="0"/>
+          </a:p>
           <a:p>
             <a:endParaRPr lang="en-US" dirty="0"/>
           </a:p>
@@ -6784,7 +7849,374 @@
     </p:spTree>
     <p:extLst>
       <p:ext uri="{BB962C8B-B14F-4D97-AF65-F5344CB8AC3E}">
-        <p14:creationId xmlns:p14="http://schemas.microsoft.com/office/powerpoint/2010/main" val="1082920253"/>
+        <p14:creationId xmlns:p14="http://schemas.microsoft.com/office/powerpoint/2010/main" val="675381650"/>
+      </p:ext>
+    </p:extLst>
+  </p:cSld>
+  <p:clrMapOvr>
+    <a:masterClrMapping/>
+  </p:clrMapOvr>
+</p:sld>
+</file>
+
+<file path=ppt/slides/slide8.xml><?xml version="1.0" encoding="utf-8"?>
+<p:sld xmlns:a="http://schemas.openxmlformats.org/drawingml/2006/main" xmlns:r="http://schemas.openxmlformats.org/officeDocument/2006/relationships" xmlns:p="http://schemas.openxmlformats.org/presentationml/2006/main">
+  <p:cSld>
+    <p:spTree>
+      <p:nvGrpSpPr>
+        <p:cNvPr id="1" name=""/>
+        <p:cNvGrpSpPr/>
+        <p:nvPr/>
+      </p:nvGrpSpPr>
+      <p:grpSpPr>
+        <a:xfrm>
+          <a:off x="0" y="0"/>
+          <a:ext cx="0" cy="0"/>
+          <a:chOff x="0" y="0"/>
+          <a:chExt cx="0" cy="0"/>
+        </a:xfrm>
+      </p:grpSpPr>
+      <p:sp>
+        <p:nvSpPr>
+          <p:cNvPr id="2" name="Title 1">
+            <a:extLst>
+              <a:ext uri="{FF2B5EF4-FFF2-40B4-BE49-F238E27FC236}">
+                <a16:creationId xmlns:a16="http://schemas.microsoft.com/office/drawing/2014/main" id="{98C30922-1452-42C1-B5E8-E81F16DDC1F9}"/>
+              </a:ext>
+            </a:extLst>
+          </p:cNvPr>
+          <p:cNvSpPr>
+            <a:spLocks noGrp="1"/>
+          </p:cNvSpPr>
+          <p:nvPr>
+            <p:ph type="title"/>
+          </p:nvPr>
+        </p:nvSpPr>
+        <p:spPr/>
+        <p:txBody>
+          <a:bodyPr/>
+          <a:lstStyle/>
+          <a:p>
+            <a:r>
+              <a:rPr lang="en-US" dirty="0"/>
+              <a:t>Interceptors</a:t>
+            </a:r>
+          </a:p>
+        </p:txBody>
+      </p:sp>
+      <p:sp>
+        <p:nvSpPr>
+          <p:cNvPr id="6" name="Content Placeholder 5">
+            <a:extLst>
+              <a:ext uri="{FF2B5EF4-FFF2-40B4-BE49-F238E27FC236}">
+                <a16:creationId xmlns:a16="http://schemas.microsoft.com/office/drawing/2014/main" id="{423851BF-20DB-4123-B586-DB363DE6BBA3}"/>
+              </a:ext>
+            </a:extLst>
+          </p:cNvPr>
+          <p:cNvSpPr>
+            <a:spLocks noGrp="1"/>
+          </p:cNvSpPr>
+          <p:nvPr>
+            <p:ph idx="1"/>
+          </p:nvPr>
+        </p:nvSpPr>
+        <p:spPr/>
+        <p:txBody>
+          <a:bodyPr/>
+          <a:lstStyle/>
+          <a:p>
+            <a:pPr marL="0" indent="0">
+              <a:buNone/>
+            </a:pPr>
+            <a:endParaRPr lang="en-US" dirty="0"/>
+          </a:p>
+          <a:p>
+            <a:endParaRPr lang="en-US" dirty="0"/>
+          </a:p>
+        </p:txBody>
+      </p:sp>
+      <p:pic>
+        <p:nvPicPr>
+          <p:cNvPr id="4" name="Picture 3">
+            <a:extLst>
+              <a:ext uri="{FF2B5EF4-FFF2-40B4-BE49-F238E27FC236}">
+                <a16:creationId xmlns:a16="http://schemas.microsoft.com/office/drawing/2014/main" id="{C452C6F8-AFC2-45B3-ABFE-675535224A16}"/>
+              </a:ext>
+            </a:extLst>
+          </p:cNvPr>
+          <p:cNvPicPr>
+            <a:picLocks noChangeAspect="1"/>
+          </p:cNvPicPr>
+          <p:nvPr/>
+        </p:nvPicPr>
+        <p:blipFill>
+          <a:blip r:embed="rId2">
+            <a:extLst>
+              <a:ext uri="{28A0092B-C50C-407E-A947-70E740481C1C}">
+                <a14:useLocalDpi xmlns:a14="http://schemas.microsoft.com/office/drawing/2010/main" val="0"/>
+              </a:ext>
+            </a:extLst>
+          </a:blip>
+          <a:stretch>
+            <a:fillRect/>
+          </a:stretch>
+        </p:blipFill>
+        <p:spPr>
+          <a:xfrm>
+            <a:off x="922239" y="1690688"/>
+            <a:ext cx="8496969" cy="4523984"/>
+          </a:xfrm>
+          <a:prstGeom prst="rect">
+            <a:avLst/>
+          </a:prstGeom>
+        </p:spPr>
+      </p:pic>
+    </p:spTree>
+    <p:extLst>
+      <p:ext uri="{BB962C8B-B14F-4D97-AF65-F5344CB8AC3E}">
+        <p14:creationId xmlns:p14="http://schemas.microsoft.com/office/powerpoint/2010/main" val="2683307205"/>
+      </p:ext>
+    </p:extLst>
+  </p:cSld>
+  <p:clrMapOvr>
+    <a:masterClrMapping/>
+  </p:clrMapOvr>
+</p:sld>
+</file>
+
+<file path=ppt/slides/slide9.xml><?xml version="1.0" encoding="utf-8"?>
+<p:sld xmlns:a="http://schemas.openxmlformats.org/drawingml/2006/main" xmlns:r="http://schemas.openxmlformats.org/officeDocument/2006/relationships" xmlns:p="http://schemas.openxmlformats.org/presentationml/2006/main">
+  <p:cSld>
+    <p:spTree>
+      <p:nvGrpSpPr>
+        <p:cNvPr id="1" name=""/>
+        <p:cNvGrpSpPr/>
+        <p:nvPr/>
+      </p:nvGrpSpPr>
+      <p:grpSpPr>
+        <a:xfrm>
+          <a:off x="0" y="0"/>
+          <a:ext cx="0" cy="0"/>
+          <a:chOff x="0" y="0"/>
+          <a:chExt cx="0" cy="0"/>
+        </a:xfrm>
+      </p:grpSpPr>
+      <p:sp>
+        <p:nvSpPr>
+          <p:cNvPr id="2" name="Title 1">
+            <a:extLst>
+              <a:ext uri="{FF2B5EF4-FFF2-40B4-BE49-F238E27FC236}">
+                <a16:creationId xmlns:a16="http://schemas.microsoft.com/office/drawing/2014/main" id="{98C30922-1452-42C1-B5E8-E81F16DDC1F9}"/>
+              </a:ext>
+            </a:extLst>
+          </p:cNvPr>
+          <p:cNvSpPr>
+            <a:spLocks noGrp="1"/>
+          </p:cNvSpPr>
+          <p:nvPr>
+            <p:ph type="title"/>
+          </p:nvPr>
+        </p:nvSpPr>
+        <p:spPr/>
+        <p:txBody>
+          <a:bodyPr/>
+          <a:lstStyle/>
+          <a:p>
+            <a:r>
+              <a:rPr lang="en-US" dirty="0"/>
+              <a:t>Caching Http Requests</a:t>
+            </a:r>
+          </a:p>
+        </p:txBody>
+      </p:sp>
+      <p:sp>
+        <p:nvSpPr>
+          <p:cNvPr id="6" name="Content Placeholder 5">
+            <a:extLst>
+              <a:ext uri="{FF2B5EF4-FFF2-40B4-BE49-F238E27FC236}">
+                <a16:creationId xmlns:a16="http://schemas.microsoft.com/office/drawing/2014/main" id="{423851BF-20DB-4123-B586-DB363DE6BBA3}"/>
+              </a:ext>
+            </a:extLst>
+          </p:cNvPr>
+          <p:cNvSpPr>
+            <a:spLocks noGrp="1"/>
+          </p:cNvSpPr>
+          <p:nvPr>
+            <p:ph idx="1"/>
+          </p:nvPr>
+        </p:nvSpPr>
+        <p:spPr/>
+        <p:txBody>
+          <a:bodyPr>
+            <a:normAutofit fontScale="85000" lnSpcReduction="20000"/>
+          </a:bodyPr>
+          <a:lstStyle/>
+          <a:p>
+            <a:pPr marL="0" indent="0">
+              <a:buNone/>
+            </a:pPr>
+            <a:endParaRPr lang="en-US" dirty="0"/>
+          </a:p>
+          <a:p>
+            <a:pPr algn="l"/>
+            <a:r>
+              <a:rPr lang="en-US" sz="1800" b="0" i="0" u="none" strike="noStrike" baseline="0" dirty="0">
+                <a:solidFill>
+                  <a:srgbClr val="F15A28"/>
+                </a:solidFill>
+                <a:latin typeface="Gotham-Medium"/>
+              </a:rPr>
+              <a:t>Reduced network utilization</a:t>
+            </a:r>
+          </a:p>
+          <a:p>
+            <a:pPr algn="l"/>
+            <a:r>
+              <a:rPr lang="en-US" sz="1800" b="0" i="0" u="none" strike="noStrike" baseline="0" dirty="0">
+                <a:solidFill>
+                  <a:srgbClr val="F15A28"/>
+                </a:solidFill>
+                <a:latin typeface="Gotham-Medium"/>
+              </a:rPr>
+              <a:t>Reduced load on backend systems</a:t>
+            </a:r>
+          </a:p>
+          <a:p>
+            <a:pPr algn="l"/>
+            <a:r>
+              <a:rPr lang="en-US" sz="1800" b="0" i="0" u="none" strike="noStrike" baseline="0" dirty="0">
+                <a:solidFill>
+                  <a:srgbClr val="F15A28"/>
+                </a:solidFill>
+                <a:latin typeface="Gotham-Medium"/>
+              </a:rPr>
+              <a:t>Improved responsiveness for the end user</a:t>
+            </a:r>
+          </a:p>
+          <a:p>
+            <a:pPr algn="l"/>
+            <a:endParaRPr lang="en-US" sz="1800" dirty="0">
+              <a:solidFill>
+                <a:srgbClr val="F15A28"/>
+              </a:solidFill>
+              <a:latin typeface="Gotham-Medium"/>
+            </a:endParaRPr>
+          </a:p>
+          <a:p>
+            <a:pPr marL="0" indent="0" algn="l">
+              <a:buNone/>
+            </a:pPr>
+            <a:r>
+              <a:rPr lang="en-US" sz="1800" dirty="0">
+                <a:solidFill>
+                  <a:srgbClr val="F15A28"/>
+                </a:solidFill>
+                <a:latin typeface="Gotham-Medium"/>
+              </a:rPr>
+              <a:t>Cache service </a:t>
+            </a:r>
+          </a:p>
+          <a:p>
+            <a:pPr algn="l"/>
+            <a:r>
+              <a:rPr lang="en-US" sz="1800" b="0" i="0" u="none" strike="noStrike" baseline="0" dirty="0">
+                <a:solidFill>
+                  <a:srgbClr val="F15A28"/>
+                </a:solidFill>
+                <a:latin typeface="Gotham-Medium"/>
+              </a:rPr>
+              <a:t>Provide a data structure for the cached data</a:t>
+            </a:r>
+          </a:p>
+          <a:p>
+            <a:pPr algn="l"/>
+            <a:r>
+              <a:rPr lang="en-US" sz="1800" b="0" i="0" u="none" strike="noStrike" baseline="0" dirty="0">
+                <a:solidFill>
+                  <a:srgbClr val="F15A28"/>
+                </a:solidFill>
+                <a:latin typeface="Gotham-Medium"/>
+              </a:rPr>
+              <a:t>Add items to the cache</a:t>
+            </a:r>
+          </a:p>
+          <a:p>
+            <a:pPr algn="l"/>
+            <a:r>
+              <a:rPr lang="en-US" sz="1800" b="0" i="0" u="none" strike="noStrike" baseline="0" dirty="0">
+                <a:solidFill>
+                  <a:srgbClr val="F15A28"/>
+                </a:solidFill>
+                <a:latin typeface="Gotham-Medium"/>
+              </a:rPr>
+              <a:t>Retrieve items from the cache</a:t>
+            </a:r>
+          </a:p>
+          <a:p>
+            <a:pPr algn="l"/>
+            <a:r>
+              <a:rPr lang="en-US" sz="1800" b="0" i="0" u="none" strike="noStrike" baseline="0" dirty="0">
+                <a:solidFill>
+                  <a:srgbClr val="F15A28"/>
+                </a:solidFill>
+                <a:latin typeface="Gotham-Medium"/>
+              </a:rPr>
+              <a:t>Remove items from the cache (cache invalidation)</a:t>
+            </a:r>
+          </a:p>
+          <a:p>
+            <a:pPr algn="l"/>
+            <a:endParaRPr lang="en-US" sz="1800" dirty="0">
+              <a:solidFill>
+                <a:srgbClr val="F15A28"/>
+              </a:solidFill>
+              <a:latin typeface="Gotham-Medium"/>
+            </a:endParaRPr>
+          </a:p>
+          <a:p>
+            <a:pPr marL="0" indent="0" algn="l">
+              <a:buNone/>
+            </a:pPr>
+            <a:r>
+              <a:rPr lang="en-US" sz="1800" dirty="0">
+                <a:solidFill>
+                  <a:srgbClr val="F15A28"/>
+                </a:solidFill>
+                <a:latin typeface="Gotham-Medium"/>
+              </a:rPr>
+              <a:t>Http Testing Utilities </a:t>
+            </a:r>
+          </a:p>
+          <a:p>
+            <a:pPr algn="l"/>
+            <a:r>
+              <a:rPr lang="en-US" sz="1800" b="0" i="0" u="none" strike="noStrike" baseline="0" dirty="0" err="1">
+                <a:latin typeface="Gotham-Medium"/>
+              </a:rPr>
+              <a:t>HttpTestingController</a:t>
+            </a:r>
+            <a:endParaRPr lang="en-US" sz="1800" b="0" i="0" u="none" strike="noStrike" baseline="0" dirty="0">
+              <a:latin typeface="Gotham-Medium"/>
+            </a:endParaRPr>
+          </a:p>
+          <a:p>
+            <a:pPr algn="l"/>
+            <a:r>
+              <a:rPr lang="en-US" sz="1800" b="0" i="0" u="none" strike="noStrike" baseline="0" dirty="0" err="1">
+                <a:latin typeface="Gotham-Medium"/>
+              </a:rPr>
+              <a:t>HttpClientTestingModule</a:t>
+            </a:r>
+            <a:endParaRPr lang="en-US" sz="1800" dirty="0">
+              <a:latin typeface="Gotham-Medium"/>
+            </a:endParaRPr>
+          </a:p>
+        </p:txBody>
+      </p:sp>
+    </p:spTree>
+    <p:extLst>
+      <p:ext uri="{BB962C8B-B14F-4D97-AF65-F5344CB8AC3E}">
+        <p14:creationId xmlns:p14="http://schemas.microsoft.com/office/powerpoint/2010/main" val="46484166"/>
       </p:ext>
     </p:extLst>
   </p:cSld>
